--- a/The Perception of ChatGPT in Learning Basic Python.pptx
+++ b/The Perception of ChatGPT in Learning Basic Python.pptx
@@ -5,10 +5,10 @@
     <p:sldMasterId id="2147483684" r:id="rId4"/>
   </p:sldMasterIdLst>
   <p:notesMasterIdLst>
-    <p:notesMasterId r:id="rId27"/>
+    <p:notesMasterId r:id="rId28"/>
   </p:notesMasterIdLst>
   <p:handoutMasterIdLst>
-    <p:handoutMasterId r:id="rId28"/>
+    <p:handoutMasterId r:id="rId29"/>
   </p:handoutMasterIdLst>
   <p:sldIdLst>
     <p:sldId id="257" r:id="rId5"/>
@@ -31,8 +31,9 @@
     <p:sldId id="404" r:id="rId22"/>
     <p:sldId id="405" r:id="rId23"/>
     <p:sldId id="406" r:id="rId24"/>
-    <p:sldId id="407" r:id="rId25"/>
-    <p:sldId id="391" r:id="rId26"/>
+    <p:sldId id="408" r:id="rId25"/>
+    <p:sldId id="407" r:id="rId26"/>
+    <p:sldId id="391" r:id="rId27"/>
   </p:sldIdLst>
   <p:sldSz cx="12192000" cy="6858000"/>
   <p:notesSz cx="6858000" cy="9144000"/>
@@ -166,7 +167,7 @@
   <pc:docChgLst>
     <pc:chgData name="Michael Larbi" userId="2c59696fcc8b8634" providerId="LiveId" clId="{9CACBB82-E897-446C-A8ED-9321B886D8A4}"/>
     <pc:docChg chg="undo redo custSel addSld delSld modSld sldOrd">
-      <pc:chgData name="Michael Larbi" userId="2c59696fcc8b8634" providerId="LiveId" clId="{9CACBB82-E897-446C-A8ED-9321B886D8A4}" dt="2023-05-08T00:01:40.905" v="4090"/>
+      <pc:chgData name="Michael Larbi" userId="2c59696fcc8b8634" providerId="LiveId" clId="{9CACBB82-E897-446C-A8ED-9321B886D8A4}" dt="2023-05-08T00:22:03.020" v="4116" actId="2711"/>
       <pc:docMkLst>
         <pc:docMk/>
       </pc:docMkLst>
@@ -1283,7 +1284,7 @@
         </pc:spChg>
       </pc:sldChg>
       <pc:sldChg chg="modSp add mod">
-        <pc:chgData name="Michael Larbi" userId="2c59696fcc8b8634" providerId="LiveId" clId="{9CACBB82-E897-446C-A8ED-9321B886D8A4}" dt="2023-05-07T23:40:47.386" v="3911" actId="20577"/>
+        <pc:chgData name="Michael Larbi" userId="2c59696fcc8b8634" providerId="LiveId" clId="{9CACBB82-E897-446C-A8ED-9321B886D8A4}" dt="2023-05-08T00:17:12.993" v="4091" actId="1076"/>
         <pc:sldMkLst>
           <pc:docMk/>
           <pc:sldMk cId="1025389320" sldId="406"/>
@@ -1304,6 +1305,14 @@
             <ac:spMk id="13" creationId="{C0287FEC-3826-4868-8D93-52429C6156F5}"/>
           </ac:spMkLst>
         </pc:spChg>
+        <pc:picChg chg="mod">
+          <ac:chgData name="Michael Larbi" userId="2c59696fcc8b8634" providerId="LiveId" clId="{9CACBB82-E897-446C-A8ED-9321B886D8A4}" dt="2023-05-08T00:17:12.993" v="4091" actId="1076"/>
+          <ac:picMkLst>
+            <pc:docMk/>
+            <pc:sldMk cId="1025389320" sldId="406"/>
+            <ac:picMk id="16" creationId="{361E9ADB-7377-4CF1-9AE4-AEFBDEBEEEEC}"/>
+          </ac:picMkLst>
+        </pc:picChg>
       </pc:sldChg>
       <pc:sldChg chg="modSp add mod">
         <pc:chgData name="Michael Larbi" userId="2c59696fcc8b8634" providerId="LiveId" clId="{9CACBB82-E897-446C-A8ED-9321B886D8A4}" dt="2023-05-07T23:59:41.643" v="4081" actId="20577"/>
@@ -1319,6 +1328,53 @@
             <ac:spMk id="13" creationId="{C0287FEC-3826-4868-8D93-52429C6156F5}"/>
           </ac:spMkLst>
         </pc:spChg>
+      </pc:sldChg>
+      <pc:sldChg chg="addSp delSp modSp add mod">
+        <pc:chgData name="Michael Larbi" userId="2c59696fcc8b8634" providerId="LiveId" clId="{9CACBB82-E897-446C-A8ED-9321B886D8A4}" dt="2023-05-08T00:22:03.020" v="4116" actId="2711"/>
+        <pc:sldMkLst>
+          <pc:docMk/>
+          <pc:sldMk cId="3620904467" sldId="408"/>
+        </pc:sldMkLst>
+        <pc:spChg chg="add del mod">
+          <ac:chgData name="Michael Larbi" userId="2c59696fcc8b8634" providerId="LiveId" clId="{9CACBB82-E897-446C-A8ED-9321B886D8A4}" dt="2023-05-08T00:20:23.250" v="4099" actId="478"/>
+          <ac:spMkLst>
+            <pc:docMk/>
+            <pc:sldMk cId="3620904467" sldId="408"/>
+            <ac:spMk id="4" creationId="{5089FF1F-83A3-EE88-BE6C-84B10EBE3E82}"/>
+          </ac:spMkLst>
+        </pc:spChg>
+        <pc:spChg chg="add del mod">
+          <ac:chgData name="Michael Larbi" userId="2c59696fcc8b8634" providerId="LiveId" clId="{9CACBB82-E897-446C-A8ED-9321B886D8A4}" dt="2023-05-08T00:20:05.551" v="4098" actId="21"/>
+          <ac:spMkLst>
+            <pc:docMk/>
+            <pc:sldMk cId="3620904467" sldId="408"/>
+            <ac:spMk id="7" creationId="{4EC81FE1-18A6-9075-5536-52E1A344A849}"/>
+          </ac:spMkLst>
+        </pc:spChg>
+        <pc:spChg chg="del mod">
+          <ac:chgData name="Michael Larbi" userId="2c59696fcc8b8634" providerId="LiveId" clId="{9CACBB82-E897-446C-A8ED-9321B886D8A4}" dt="2023-05-08T00:19:44.773" v="4096" actId="478"/>
+          <ac:spMkLst>
+            <pc:docMk/>
+            <pc:sldMk cId="3620904467" sldId="408"/>
+            <ac:spMk id="11" creationId="{581E8936-2270-47FE-94A4-398CB123EF90}"/>
+          </ac:spMkLst>
+        </pc:spChg>
+        <pc:spChg chg="mod">
+          <ac:chgData name="Michael Larbi" userId="2c59696fcc8b8634" providerId="LiveId" clId="{9CACBB82-E897-446C-A8ED-9321B886D8A4}" dt="2023-05-08T00:22:03.020" v="4116" actId="2711"/>
+          <ac:spMkLst>
+            <pc:docMk/>
+            <pc:sldMk cId="3620904467" sldId="408"/>
+            <ac:spMk id="13" creationId="{C0287FEC-3826-4868-8D93-52429C6156F5}"/>
+          </ac:spMkLst>
+        </pc:spChg>
+        <pc:picChg chg="add del mod">
+          <ac:chgData name="Michael Larbi" userId="2c59696fcc8b8634" providerId="LiveId" clId="{9CACBB82-E897-446C-A8ED-9321B886D8A4}" dt="2023-05-08T00:21:11.762" v="4106" actId="14100"/>
+          <ac:picMkLst>
+            <pc:docMk/>
+            <pc:sldMk cId="3620904467" sldId="408"/>
+            <ac:picMk id="16" creationId="{361E9ADB-7377-4CF1-9AE4-AEFBDEBEEEEC}"/>
+          </ac:picMkLst>
+        </pc:picChg>
       </pc:sldChg>
     </pc:docChg>
   </pc:docChgLst>
@@ -1419,7 +1475,7 @@
           <a:p>
             <a:fld id="{C17F2C1D-F243-42AB-ADF2-E7CB4E04900E}" type="datetimeFigureOut">
               <a:rPr lang="en-US" smtClean="0"/>
-              <a:t>5/6/2023</a:t>
+              <a:t>5/7/2023</a:t>
             </a:fld>
             <a:endParaRPr lang="en-US"/>
           </a:p>
@@ -1596,7 +1652,7 @@
           <a:p>
             <a:fld id="{020CE34E-5667-4A32-A6BA-10C7A552BC63}" type="datetimeFigureOut">
               <a:rPr lang="en-US" smtClean="0"/>
-              <a:t>5/6/2023</a:t>
+              <a:t>5/7/2023</a:t>
             </a:fld>
             <a:endParaRPr lang="en-US"/>
           </a:p>
@@ -2265,6 +2321,90 @@
             <a:fld id="{1983A999-5E0E-42CA-8400-604AE921FF7C}" type="slidenum">
               <a:rPr lang="en-US" smtClean="0"/>
               <a:t>21</a:t>
+            </a:fld>
+            <a:endParaRPr lang="en-US"/>
+          </a:p>
+        </p:txBody>
+      </p:sp>
+    </p:spTree>
+    <p:extLst>
+      <p:ext uri="{BB962C8B-B14F-4D97-AF65-F5344CB8AC3E}">
+        <p14:creationId xmlns:p14="http://schemas.microsoft.com/office/powerpoint/2010/main" val="224279169"/>
+      </p:ext>
+    </p:extLst>
+  </p:cSld>
+  <p:clrMapOvr>
+    <a:masterClrMapping/>
+  </p:clrMapOvr>
+</p:notes>
+</file>
+
+<file path=ppt/notesSlides/notesSlide14.xml><?xml version="1.0" encoding="utf-8"?>
+<p:notes xmlns:a="http://schemas.openxmlformats.org/drawingml/2006/main" xmlns:r="http://schemas.openxmlformats.org/officeDocument/2006/relationships" xmlns:p="http://schemas.openxmlformats.org/presentationml/2006/main">
+  <p:cSld>
+    <p:spTree>
+      <p:nvGrpSpPr>
+        <p:cNvPr id="1" name=""/>
+        <p:cNvGrpSpPr/>
+        <p:nvPr/>
+      </p:nvGrpSpPr>
+      <p:grpSpPr>
+        <a:xfrm>
+          <a:off x="0" y="0"/>
+          <a:ext cx="0" cy="0"/>
+          <a:chOff x="0" y="0"/>
+          <a:chExt cx="0" cy="0"/>
+        </a:xfrm>
+      </p:grpSpPr>
+      <p:sp>
+        <p:nvSpPr>
+          <p:cNvPr id="2" name="Slide Image Placeholder 1"/>
+          <p:cNvSpPr>
+            <a:spLocks noGrp="1" noRot="1" noChangeAspect="1"/>
+          </p:cNvSpPr>
+          <p:nvPr>
+            <p:ph type="sldImg"/>
+          </p:nvPr>
+        </p:nvSpPr>
+        <p:spPr/>
+      </p:sp>
+      <p:sp>
+        <p:nvSpPr>
+          <p:cNvPr id="3" name="Notes Placeholder 2"/>
+          <p:cNvSpPr>
+            <a:spLocks noGrp="1"/>
+          </p:cNvSpPr>
+          <p:nvPr>
+            <p:ph type="body" idx="1"/>
+          </p:nvPr>
+        </p:nvSpPr>
+        <p:spPr/>
+        <p:txBody>
+          <a:bodyPr/>
+          <a:lstStyle/>
+          <a:p>
+            <a:endParaRPr lang="en-US" dirty="0"/>
+          </a:p>
+        </p:txBody>
+      </p:sp>
+      <p:sp>
+        <p:nvSpPr>
+          <p:cNvPr id="4" name="Slide Number Placeholder 3"/>
+          <p:cNvSpPr>
+            <a:spLocks noGrp="1"/>
+          </p:cNvSpPr>
+          <p:nvPr>
+            <p:ph type="sldNum" sz="quarter" idx="5"/>
+          </p:nvPr>
+        </p:nvSpPr>
+        <p:spPr/>
+        <p:txBody>
+          <a:bodyPr/>
+          <a:lstStyle/>
+          <a:p>
+            <a:fld id="{1983A999-5E0E-42CA-8400-604AE921FF7C}" type="slidenum">
+              <a:rPr lang="en-US" smtClean="0"/>
+              <a:t>22</a:t>
             </a:fld>
             <a:endParaRPr lang="en-US"/>
           </a:p>
@@ -19770,7 +19910,7 @@
         </p:blipFill>
         <p:spPr>
           <a:xfrm>
-            <a:off x="0" y="-17253"/>
+            <a:off x="0" y="-34506"/>
             <a:ext cx="12192000" cy="1940943"/>
           </a:xfrm>
         </p:spPr>
@@ -20078,39 +20218,6 @@
           <a:chExt cx="0" cy="0"/>
         </a:xfrm>
       </p:grpSpPr>
-      <p:sp>
-        <p:nvSpPr>
-          <p:cNvPr id="11" name="Title 10">
-            <a:extLst>
-              <a:ext uri="{FF2B5EF4-FFF2-40B4-BE49-F238E27FC236}">
-                <a16:creationId xmlns:a16="http://schemas.microsoft.com/office/drawing/2014/main" id="{581E8936-2270-47FE-94A4-398CB123EF90}"/>
-              </a:ext>
-            </a:extLst>
-          </p:cNvPr>
-          <p:cNvSpPr>
-            <a:spLocks noGrp="1"/>
-          </p:cNvSpPr>
-          <p:nvPr>
-            <p:ph type="title"/>
-          </p:nvPr>
-        </p:nvSpPr>
-        <p:spPr>
-          <a:xfrm>
-            <a:off x="266192" y="4448115"/>
-            <a:ext cx="4500562" cy="1562959"/>
-          </a:xfrm>
-        </p:spPr>
-        <p:txBody>
-          <a:bodyPr/>
-          <a:lstStyle/>
-          <a:p>
-            <a:r>
-              <a:rPr lang="en-US" dirty="0"/>
-              <a:t>Git Hub Link</a:t>
-            </a:r>
-          </a:p>
-        </p:txBody>
-      </p:sp>
       <p:pic>
         <p:nvPicPr>
           <p:cNvPr id="16" name="Picture Placeholder 15" descr="Data Points Digital background">
@@ -20140,8 +20247,8 @@
         </p:blipFill>
         <p:spPr>
           <a:xfrm>
-            <a:off x="0" y="-17253"/>
-            <a:ext cx="12192000" cy="1940943"/>
+            <a:off x="0" y="-34506"/>
+            <a:ext cx="12192000" cy="724619"/>
           </a:xfrm>
         </p:spPr>
       </p:pic>
@@ -20163,23 +20270,813 @@
         </p:nvSpPr>
         <p:spPr>
           <a:xfrm>
-            <a:off x="4270075" y="2656936"/>
-            <a:ext cx="7213748" cy="3792506"/>
+            <a:off x="992038" y="888521"/>
+            <a:ext cx="10491785" cy="5560921"/>
           </a:xfrm>
         </p:spPr>
         <p:txBody>
           <a:bodyPr>
-            <a:normAutofit/>
+            <a:normAutofit fontScale="25000" lnSpcReduction="20000"/>
           </a:bodyPr>
           <a:lstStyle/>
           <a:p>
-            <a:r>
-              <a:rPr lang="en-US" b="1" dirty="0">
-                <a:hlinkClick r:id="rId4"/>
+            <a:pPr marL="0" marR="0">
+              <a:lnSpc>
+                <a:spcPct val="107000"/>
+              </a:lnSpc>
+              <a:spcBef>
+                <a:spcPts val="0"/>
+              </a:spcBef>
+              <a:spcAft>
+                <a:spcPts val="800"/>
+              </a:spcAft>
+            </a:pPr>
+            <a:r>
+              <a:rPr lang="en-US" sz="4300" b="1" kern="100" dirty="0">
+                <a:effectLst/>
+                <a:latin typeface="Times New Roman" panose="02020603050405020304" pitchFamily="18" charset="0"/>
+                <a:ea typeface="Calibri" panose="020F0502020204030204" pitchFamily="34" charset="0"/>
+                <a:cs typeface="Times New Roman" panose="02020603050405020304" pitchFamily="18" charset="0"/>
               </a:rPr>
-              <a:t>https://mikelarbi4u1.github.io/Michaels-ITSs-Project.com/</a:t>
-            </a:r>
-            <a:endParaRPr lang="en-US" b="1" dirty="0"/>
+              <a:t>Bibliography</a:t>
+            </a:r>
+            <a:endParaRPr lang="en-US" sz="4300" kern="100" dirty="0">
+              <a:effectLst/>
+              <a:latin typeface="Calibri" panose="020F0502020204030204" pitchFamily="34" charset="0"/>
+              <a:ea typeface="Calibri" panose="020F0502020204030204" pitchFamily="34" charset="0"/>
+              <a:cs typeface="Times New Roman" panose="02020603050405020304" pitchFamily="18" charset="0"/>
+            </a:endParaRPr>
+          </a:p>
+          <a:p>
+            <a:pPr marL="0" marR="0">
+              <a:lnSpc>
+                <a:spcPct val="107000"/>
+              </a:lnSpc>
+              <a:spcBef>
+                <a:spcPts val="0"/>
+              </a:spcBef>
+              <a:spcAft>
+                <a:spcPts val="800"/>
+              </a:spcAft>
+            </a:pPr>
+            <a:r>
+              <a:rPr lang="en-US" sz="3500" kern="100" dirty="0">
+                <a:effectLst/>
+                <a:latin typeface="Times New Roman" panose="02020603050405020304" pitchFamily="18" charset="0"/>
+                <a:ea typeface="Calibri" panose="020F0502020204030204" pitchFamily="34" charset="0"/>
+                <a:cs typeface="Times New Roman" panose="02020603050405020304" pitchFamily="18" charset="0"/>
+              </a:rPr>
+              <a:t>[1]	</a:t>
+            </a:r>
+            <a:r>
+              <a:rPr lang="en-US" sz="4800" kern="100" dirty="0">
+                <a:effectLst/>
+                <a:ea typeface="Calibri" panose="020F0502020204030204" pitchFamily="34" charset="0"/>
+                <a:cs typeface="Times New Roman" panose="02020603050405020304" pitchFamily="18" charset="0"/>
+              </a:rPr>
+              <a:t>D. N. J. Ahuja and R. </a:t>
+            </a:r>
+            <a:r>
+              <a:rPr lang="en-US" sz="4800" kern="100" dirty="0" err="1">
+                <a:effectLst/>
+                <a:ea typeface="Calibri" panose="020F0502020204030204" pitchFamily="34" charset="0"/>
+                <a:cs typeface="Times New Roman" panose="02020603050405020304" pitchFamily="18" charset="0"/>
+              </a:rPr>
+              <a:t>Sille</a:t>
+            </a:r>
+            <a:r>
+              <a:rPr lang="en-US" sz="4800" kern="100" dirty="0">
+                <a:effectLst/>
+                <a:ea typeface="Calibri" panose="020F0502020204030204" pitchFamily="34" charset="0"/>
+                <a:cs typeface="Times New Roman" panose="02020603050405020304" pitchFamily="18" charset="0"/>
+              </a:rPr>
+              <a:t>, “A Critical Review of Development of Intelligent Tutoring Systems: Retrospect, Present and Prospect,” vol. 10, no. 4, 2013.</a:t>
+            </a:r>
+          </a:p>
+          <a:p>
+            <a:pPr marL="0" marR="0">
+              <a:lnSpc>
+                <a:spcPct val="107000"/>
+              </a:lnSpc>
+              <a:spcBef>
+                <a:spcPts val="0"/>
+              </a:spcBef>
+              <a:spcAft>
+                <a:spcPts val="800"/>
+              </a:spcAft>
+            </a:pPr>
+            <a:r>
+              <a:rPr lang="en-US" sz="4800" kern="100" dirty="0">
+                <a:effectLst/>
+                <a:ea typeface="Calibri" panose="020F0502020204030204" pitchFamily="34" charset="0"/>
+                <a:cs typeface="Times New Roman" panose="02020603050405020304" pitchFamily="18" charset="0"/>
+              </a:rPr>
+              <a:t>[2]	M. J. Reiss, “The Use of Al in Education: Practicalities and Ethical Considerations,” </a:t>
+            </a:r>
+            <a:r>
+              <a:rPr lang="en-US" sz="4800" i="1" kern="100" dirty="0" err="1">
+                <a:effectLst/>
+                <a:ea typeface="Calibri" panose="020F0502020204030204" pitchFamily="34" charset="0"/>
+                <a:cs typeface="Times New Roman" panose="02020603050405020304" pitchFamily="18" charset="0"/>
+              </a:rPr>
+              <a:t>Lond</a:t>
+            </a:r>
+            <a:r>
+              <a:rPr lang="en-US" sz="4800" i="1" kern="100" dirty="0">
+                <a:effectLst/>
+                <a:ea typeface="Calibri" panose="020F0502020204030204" pitchFamily="34" charset="0"/>
+                <a:cs typeface="Times New Roman" panose="02020603050405020304" pitchFamily="18" charset="0"/>
+              </a:rPr>
+              <a:t>. Rev. Educ.</a:t>
+            </a:r>
+            <a:r>
+              <a:rPr lang="en-US" sz="4800" kern="100" dirty="0">
+                <a:effectLst/>
+                <a:ea typeface="Calibri" panose="020F0502020204030204" pitchFamily="34" charset="0"/>
+                <a:cs typeface="Times New Roman" panose="02020603050405020304" pitchFamily="18" charset="0"/>
+              </a:rPr>
+              <a:t>, vol. 19, no. 1, 2021, Accessed: Mar. 18, 2023. [Online]. Available: https://eric.ed.gov/?id=EJ1297682</a:t>
+            </a:r>
+          </a:p>
+          <a:p>
+            <a:pPr marL="0" marR="0">
+              <a:lnSpc>
+                <a:spcPct val="107000"/>
+              </a:lnSpc>
+              <a:spcBef>
+                <a:spcPts val="0"/>
+              </a:spcBef>
+              <a:spcAft>
+                <a:spcPts val="800"/>
+              </a:spcAft>
+            </a:pPr>
+            <a:r>
+              <a:rPr lang="en-US" sz="4800" kern="100" dirty="0">
+                <a:effectLst/>
+                <a:ea typeface="Calibri" panose="020F0502020204030204" pitchFamily="34" charset="0"/>
+                <a:cs typeface="Times New Roman" panose="02020603050405020304" pitchFamily="18" charset="0"/>
+              </a:rPr>
+              <a:t>[3]	A. Jaiswal and C. J. Arun, “Potential of Artificial Intelligence for transformation of the education system in India”.</a:t>
+            </a:r>
+          </a:p>
+          <a:p>
+            <a:pPr marL="0" marR="0">
+              <a:lnSpc>
+                <a:spcPct val="107000"/>
+              </a:lnSpc>
+              <a:spcBef>
+                <a:spcPts val="0"/>
+              </a:spcBef>
+              <a:spcAft>
+                <a:spcPts val="800"/>
+              </a:spcAft>
+            </a:pPr>
+            <a:r>
+              <a:rPr lang="en-US" sz="4800" kern="100" dirty="0">
+                <a:effectLst/>
+                <a:ea typeface="Calibri" panose="020F0502020204030204" pitchFamily="34" charset="0"/>
+                <a:cs typeface="Times New Roman" panose="02020603050405020304" pitchFamily="18" charset="0"/>
+              </a:rPr>
+              <a:t>[4]	X. Huang, D. Zou, G. Cheng, X. Chen, and H. </a:t>
+            </a:r>
+            <a:r>
+              <a:rPr lang="en-US" sz="4800" kern="100" dirty="0" err="1">
+                <a:effectLst/>
+                <a:ea typeface="Calibri" panose="020F0502020204030204" pitchFamily="34" charset="0"/>
+                <a:cs typeface="Times New Roman" panose="02020603050405020304" pitchFamily="18" charset="0"/>
+              </a:rPr>
+              <a:t>Xie</a:t>
+            </a:r>
+            <a:r>
+              <a:rPr lang="en-US" sz="4800" kern="100" dirty="0">
+                <a:effectLst/>
+                <a:ea typeface="Calibri" panose="020F0502020204030204" pitchFamily="34" charset="0"/>
+                <a:cs typeface="Times New Roman" panose="02020603050405020304" pitchFamily="18" charset="0"/>
+              </a:rPr>
+              <a:t>, “Trends, Research Issues and Applications of Artificial Intelligence in Language Education,” </a:t>
+            </a:r>
+            <a:r>
+              <a:rPr lang="en-US" sz="4800" i="1" kern="100" dirty="0">
+                <a:effectLst/>
+                <a:ea typeface="Calibri" panose="020F0502020204030204" pitchFamily="34" charset="0"/>
+                <a:cs typeface="Times New Roman" panose="02020603050405020304" pitchFamily="18" charset="0"/>
+              </a:rPr>
+              <a:t>Educ. Technol. Soc.</a:t>
+            </a:r>
+            <a:r>
+              <a:rPr lang="en-US" sz="4800" kern="100" dirty="0">
+                <a:effectLst/>
+                <a:ea typeface="Calibri" panose="020F0502020204030204" pitchFamily="34" charset="0"/>
+                <a:cs typeface="Times New Roman" panose="02020603050405020304" pitchFamily="18" charset="0"/>
+              </a:rPr>
+              <a:t>, vol. 26, no. 1, pp. 112–131, 2023.</a:t>
+            </a:r>
+          </a:p>
+          <a:p>
+            <a:pPr marL="0" marR="0">
+              <a:lnSpc>
+                <a:spcPct val="107000"/>
+              </a:lnSpc>
+              <a:spcBef>
+                <a:spcPts val="0"/>
+              </a:spcBef>
+              <a:spcAft>
+                <a:spcPts val="800"/>
+              </a:spcAft>
+            </a:pPr>
+            <a:r>
+              <a:rPr lang="en-US" sz="4800" kern="100" dirty="0">
+                <a:effectLst/>
+                <a:ea typeface="Calibri" panose="020F0502020204030204" pitchFamily="34" charset="0"/>
+                <a:cs typeface="Times New Roman" panose="02020603050405020304" pitchFamily="18" charset="0"/>
+              </a:rPr>
+              <a:t>[5]	A. C. </a:t>
+            </a:r>
+            <a:r>
+              <a:rPr lang="en-US" sz="4800" kern="100" dirty="0" err="1">
+                <a:effectLst/>
+                <a:ea typeface="Calibri" panose="020F0502020204030204" pitchFamily="34" charset="0"/>
+                <a:cs typeface="Times New Roman" panose="02020603050405020304" pitchFamily="18" charset="0"/>
+              </a:rPr>
+              <a:t>Graesser</a:t>
+            </a:r>
+            <a:r>
+              <a:rPr lang="en-US" sz="4800" kern="100" dirty="0">
+                <a:effectLst/>
+                <a:ea typeface="Calibri" panose="020F0502020204030204" pitchFamily="34" charset="0"/>
+                <a:cs typeface="Times New Roman" panose="02020603050405020304" pitchFamily="18" charset="0"/>
+              </a:rPr>
+              <a:t>, M. W. Conley, and A. Olney, “Running head: INTELLIGENT TUTORING SYSTEMS”.</a:t>
+            </a:r>
+          </a:p>
+          <a:p>
+            <a:pPr marL="0" marR="0">
+              <a:lnSpc>
+                <a:spcPct val="107000"/>
+              </a:lnSpc>
+              <a:spcBef>
+                <a:spcPts val="0"/>
+              </a:spcBef>
+              <a:spcAft>
+                <a:spcPts val="800"/>
+              </a:spcAft>
+            </a:pPr>
+            <a:r>
+              <a:rPr lang="en-US" sz="4800" kern="100" dirty="0">
+                <a:effectLst/>
+                <a:ea typeface="Calibri" panose="020F0502020204030204" pitchFamily="34" charset="0"/>
+                <a:cs typeface="Times New Roman" panose="02020603050405020304" pitchFamily="18" charset="0"/>
+              </a:rPr>
+              <a:t>[6]	“Intelligent tutoring systems: an overview”.</a:t>
+            </a:r>
+          </a:p>
+          <a:p>
+            <a:pPr marL="0" marR="0">
+              <a:lnSpc>
+                <a:spcPct val="107000"/>
+              </a:lnSpc>
+              <a:spcBef>
+                <a:spcPts val="0"/>
+              </a:spcBef>
+              <a:spcAft>
+                <a:spcPts val="800"/>
+              </a:spcAft>
+            </a:pPr>
+            <a:r>
+              <a:rPr lang="en-US" sz="4800" kern="100" dirty="0">
+                <a:effectLst/>
+                <a:ea typeface="Calibri" panose="020F0502020204030204" pitchFamily="34" charset="0"/>
+                <a:cs typeface="Times New Roman" panose="02020603050405020304" pitchFamily="18" charset="0"/>
+              </a:rPr>
+              <a:t>[7]	N. M. S. </a:t>
+            </a:r>
+            <a:r>
+              <a:rPr lang="en-US" sz="4800" kern="100" dirty="0" err="1">
+                <a:effectLst/>
+                <a:ea typeface="Calibri" panose="020F0502020204030204" pitchFamily="34" charset="0"/>
+                <a:cs typeface="Times New Roman" panose="02020603050405020304" pitchFamily="18" charset="0"/>
+              </a:rPr>
+              <a:t>Surameery</a:t>
+            </a:r>
+            <a:r>
+              <a:rPr lang="en-US" sz="4800" kern="100" dirty="0">
+                <a:effectLst/>
+                <a:ea typeface="Calibri" panose="020F0502020204030204" pitchFamily="34" charset="0"/>
+                <a:cs typeface="Times New Roman" panose="02020603050405020304" pitchFamily="18" charset="0"/>
+              </a:rPr>
+              <a:t> and M. Y. </a:t>
+            </a:r>
+            <a:r>
+              <a:rPr lang="en-US" sz="4800" kern="100" dirty="0" err="1">
+                <a:effectLst/>
+                <a:ea typeface="Calibri" panose="020F0502020204030204" pitchFamily="34" charset="0"/>
+                <a:cs typeface="Times New Roman" panose="02020603050405020304" pitchFamily="18" charset="0"/>
+              </a:rPr>
+              <a:t>Shakor</a:t>
+            </a:r>
+            <a:r>
+              <a:rPr lang="en-US" sz="4800" kern="100" dirty="0">
+                <a:effectLst/>
+                <a:ea typeface="Calibri" panose="020F0502020204030204" pitchFamily="34" charset="0"/>
+                <a:cs typeface="Times New Roman" panose="02020603050405020304" pitchFamily="18" charset="0"/>
+              </a:rPr>
+              <a:t>, “Use Chat GPT to Solve Programming Bugs,” </a:t>
+            </a:r>
+            <a:r>
+              <a:rPr lang="en-US" sz="4800" i="1" kern="100" dirty="0">
+                <a:effectLst/>
+                <a:ea typeface="Calibri" panose="020F0502020204030204" pitchFamily="34" charset="0"/>
+                <a:cs typeface="Times New Roman" panose="02020603050405020304" pitchFamily="18" charset="0"/>
+              </a:rPr>
+              <a:t>Int. J. Inf. Technol. </a:t>
+            </a:r>
+            <a:r>
+              <a:rPr lang="en-US" sz="4800" i="1" kern="100" dirty="0" err="1">
+                <a:effectLst/>
+                <a:ea typeface="Calibri" panose="020F0502020204030204" pitchFamily="34" charset="0"/>
+                <a:cs typeface="Times New Roman" panose="02020603050405020304" pitchFamily="18" charset="0"/>
+              </a:rPr>
+              <a:t>Comput</a:t>
+            </a:r>
+            <a:r>
+              <a:rPr lang="en-US" sz="4800" i="1" kern="100" dirty="0">
+                <a:effectLst/>
+                <a:ea typeface="Calibri" panose="020F0502020204030204" pitchFamily="34" charset="0"/>
+                <a:cs typeface="Times New Roman" panose="02020603050405020304" pitchFamily="18" charset="0"/>
+              </a:rPr>
+              <a:t>. Eng. IJITC ISSN 2455-5290</a:t>
+            </a:r>
+            <a:r>
+              <a:rPr lang="en-US" sz="4800" kern="100" dirty="0">
+                <a:effectLst/>
+                <a:ea typeface="Calibri" panose="020F0502020204030204" pitchFamily="34" charset="0"/>
+                <a:cs typeface="Times New Roman" panose="02020603050405020304" pitchFamily="18" charset="0"/>
+              </a:rPr>
+              <a:t>, vol. 3, no. 01, Art. no. 01, Jan. 2023, </a:t>
+            </a:r>
+            <a:r>
+              <a:rPr lang="en-US" sz="4800" kern="100" dirty="0" err="1">
+                <a:effectLst/>
+                <a:ea typeface="Calibri" panose="020F0502020204030204" pitchFamily="34" charset="0"/>
+                <a:cs typeface="Times New Roman" panose="02020603050405020304" pitchFamily="18" charset="0"/>
+              </a:rPr>
+              <a:t>doi</a:t>
+            </a:r>
+            <a:r>
+              <a:rPr lang="en-US" sz="4800" kern="100" dirty="0">
+                <a:effectLst/>
+                <a:ea typeface="Calibri" panose="020F0502020204030204" pitchFamily="34" charset="0"/>
+                <a:cs typeface="Times New Roman" panose="02020603050405020304" pitchFamily="18" charset="0"/>
+              </a:rPr>
+              <a:t>: 10.55529/ijitc.31.17.22.</a:t>
+            </a:r>
+          </a:p>
+          <a:p>
+            <a:pPr marL="0" marR="0">
+              <a:lnSpc>
+                <a:spcPct val="107000"/>
+              </a:lnSpc>
+              <a:spcBef>
+                <a:spcPts val="0"/>
+              </a:spcBef>
+              <a:spcAft>
+                <a:spcPts val="800"/>
+              </a:spcAft>
+            </a:pPr>
+            <a:r>
+              <a:rPr lang="en-US" sz="4800" kern="100" dirty="0">
+                <a:effectLst/>
+                <a:ea typeface="Calibri" panose="020F0502020204030204" pitchFamily="34" charset="0"/>
+                <a:cs typeface="Times New Roman" panose="02020603050405020304" pitchFamily="18" charset="0"/>
+              </a:rPr>
+              <a:t>[8]	S. Biswas, “Role of ChatGPT in Computer Programming.: ChatGPT in Computer Programming.,” </a:t>
+            </a:r>
+            <a:r>
+              <a:rPr lang="en-US" sz="4800" i="1" kern="100" dirty="0">
+                <a:effectLst/>
+                <a:ea typeface="Calibri" panose="020F0502020204030204" pitchFamily="34" charset="0"/>
+                <a:cs typeface="Times New Roman" panose="02020603050405020304" pitchFamily="18" charset="0"/>
+              </a:rPr>
+              <a:t>Mesopotamian J. </a:t>
+            </a:r>
+            <a:r>
+              <a:rPr lang="en-US" sz="4800" i="1" kern="100" dirty="0" err="1">
+                <a:effectLst/>
+                <a:ea typeface="Calibri" panose="020F0502020204030204" pitchFamily="34" charset="0"/>
+                <a:cs typeface="Times New Roman" panose="02020603050405020304" pitchFamily="18" charset="0"/>
+              </a:rPr>
+              <a:t>Comput</a:t>
+            </a:r>
+            <a:r>
+              <a:rPr lang="en-US" sz="4800" i="1" kern="100" dirty="0">
+                <a:effectLst/>
+                <a:ea typeface="Calibri" panose="020F0502020204030204" pitchFamily="34" charset="0"/>
+                <a:cs typeface="Times New Roman" panose="02020603050405020304" pitchFamily="18" charset="0"/>
+              </a:rPr>
+              <a:t>. Sci.</a:t>
+            </a:r>
+            <a:r>
+              <a:rPr lang="en-US" sz="4800" kern="100" dirty="0">
+                <a:effectLst/>
+                <a:ea typeface="Calibri" panose="020F0502020204030204" pitchFamily="34" charset="0"/>
+                <a:cs typeface="Times New Roman" panose="02020603050405020304" pitchFamily="18" charset="0"/>
+              </a:rPr>
+              <a:t>, vol. 2023, pp. 8–16, Feb. 2023, </a:t>
+            </a:r>
+            <a:r>
+              <a:rPr lang="en-US" sz="4800" kern="100" dirty="0" err="1">
+                <a:effectLst/>
+                <a:ea typeface="Calibri" panose="020F0502020204030204" pitchFamily="34" charset="0"/>
+                <a:cs typeface="Times New Roman" panose="02020603050405020304" pitchFamily="18" charset="0"/>
+              </a:rPr>
+              <a:t>doi</a:t>
+            </a:r>
+            <a:r>
+              <a:rPr lang="en-US" sz="4800" kern="100" dirty="0">
+                <a:effectLst/>
+                <a:ea typeface="Calibri" panose="020F0502020204030204" pitchFamily="34" charset="0"/>
+                <a:cs typeface="Times New Roman" panose="02020603050405020304" pitchFamily="18" charset="0"/>
+              </a:rPr>
+              <a:t>: 10.58496/MJCSC/2023/002.</a:t>
+            </a:r>
+          </a:p>
+          <a:p>
+            <a:pPr marL="0" marR="0">
+              <a:lnSpc>
+                <a:spcPct val="107000"/>
+              </a:lnSpc>
+              <a:spcBef>
+                <a:spcPts val="0"/>
+              </a:spcBef>
+              <a:spcAft>
+                <a:spcPts val="800"/>
+              </a:spcAft>
+            </a:pPr>
+            <a:r>
+              <a:rPr lang="en-US" sz="4800" kern="100" dirty="0">
+                <a:effectLst/>
+                <a:ea typeface="Calibri" panose="020F0502020204030204" pitchFamily="34" charset="0"/>
+                <a:cs typeface="Times New Roman" panose="02020603050405020304" pitchFamily="18" charset="0"/>
+              </a:rPr>
+              <a:t>[9]	H. Chun, “A Study on the Impact of 3D Printing and Artificial Intelligence on Education and Learning Process,” </a:t>
+            </a:r>
+            <a:r>
+              <a:rPr lang="en-US" sz="4800" i="1" kern="100" dirty="0">
+                <a:effectLst/>
+                <a:ea typeface="Calibri" panose="020F0502020204030204" pitchFamily="34" charset="0"/>
+                <a:cs typeface="Times New Roman" panose="02020603050405020304" pitchFamily="18" charset="0"/>
+              </a:rPr>
+              <a:t>Sci. Program.</a:t>
+            </a:r>
+            <a:r>
+              <a:rPr lang="en-US" sz="4800" kern="100" dirty="0">
+                <a:effectLst/>
+                <a:ea typeface="Calibri" panose="020F0502020204030204" pitchFamily="34" charset="0"/>
+                <a:cs typeface="Times New Roman" panose="02020603050405020304" pitchFamily="18" charset="0"/>
+              </a:rPr>
+              <a:t>, vol. 2021, p. e2247346, Nov. 2021, </a:t>
+            </a:r>
+            <a:r>
+              <a:rPr lang="en-US" sz="4800" kern="100" dirty="0" err="1">
+                <a:effectLst/>
+                <a:ea typeface="Calibri" panose="020F0502020204030204" pitchFamily="34" charset="0"/>
+                <a:cs typeface="Times New Roman" panose="02020603050405020304" pitchFamily="18" charset="0"/>
+              </a:rPr>
+              <a:t>doi</a:t>
+            </a:r>
+            <a:r>
+              <a:rPr lang="en-US" sz="4800" kern="100" dirty="0">
+                <a:effectLst/>
+                <a:ea typeface="Calibri" panose="020F0502020204030204" pitchFamily="34" charset="0"/>
+                <a:cs typeface="Times New Roman" panose="02020603050405020304" pitchFamily="18" charset="0"/>
+              </a:rPr>
+              <a:t>: 10.1155/2021/2247346.</a:t>
+            </a:r>
+          </a:p>
+          <a:p>
+            <a:pPr marL="0" marR="0">
+              <a:lnSpc>
+                <a:spcPct val="107000"/>
+              </a:lnSpc>
+              <a:spcBef>
+                <a:spcPts val="0"/>
+              </a:spcBef>
+              <a:spcAft>
+                <a:spcPts val="800"/>
+              </a:spcAft>
+            </a:pPr>
+            <a:r>
+              <a:rPr lang="en-US" sz="4800" kern="100" dirty="0">
+                <a:effectLst/>
+                <a:ea typeface="Calibri" panose="020F0502020204030204" pitchFamily="34" charset="0"/>
+                <a:cs typeface="Times New Roman" panose="02020603050405020304" pitchFamily="18" charset="0"/>
+              </a:rPr>
+              <a:t>[10]	O. </a:t>
+            </a:r>
+            <a:r>
+              <a:rPr lang="en-US" sz="4800" kern="100" dirty="0" err="1">
+                <a:effectLst/>
+                <a:ea typeface="Calibri" panose="020F0502020204030204" pitchFamily="34" charset="0"/>
+                <a:cs typeface="Times New Roman" panose="02020603050405020304" pitchFamily="18" charset="0"/>
+              </a:rPr>
+              <a:t>Omoyeni</a:t>
+            </a:r>
+            <a:r>
+              <a:rPr lang="en-US" sz="4800" kern="100" dirty="0">
+                <a:effectLst/>
+                <a:ea typeface="Calibri" panose="020F0502020204030204" pitchFamily="34" charset="0"/>
+                <a:cs typeface="Times New Roman" panose="02020603050405020304" pitchFamily="18" charset="0"/>
+              </a:rPr>
+              <a:t> and S. </a:t>
+            </a:r>
+            <a:r>
+              <a:rPr lang="en-US" sz="4800" kern="100" dirty="0" err="1">
+                <a:effectLst/>
+                <a:ea typeface="Calibri" panose="020F0502020204030204" pitchFamily="34" charset="0"/>
+                <a:cs typeface="Times New Roman" panose="02020603050405020304" pitchFamily="18" charset="0"/>
+              </a:rPr>
+              <a:t>Ojedeji</a:t>
+            </a:r>
+            <a:r>
+              <a:rPr lang="en-US" sz="4800" kern="100" dirty="0">
+                <a:effectLst/>
+                <a:ea typeface="Calibri" panose="020F0502020204030204" pitchFamily="34" charset="0"/>
+                <a:cs typeface="Times New Roman" panose="02020603050405020304" pitchFamily="18" charset="0"/>
+              </a:rPr>
+              <a:t>, “Exploring the Potentials of Emerging Technologies for Literacy and Skills Development: Spotlight on Artificial Intelligence,” </a:t>
+            </a:r>
+            <a:r>
+              <a:rPr lang="en-US" sz="4800" i="1" kern="100" dirty="0">
+                <a:effectLst/>
+                <a:ea typeface="Calibri" panose="020F0502020204030204" pitchFamily="34" charset="0"/>
+                <a:cs typeface="Times New Roman" panose="02020603050405020304" pitchFamily="18" charset="0"/>
+              </a:rPr>
+              <a:t>Int. J. Lit. Educ.</a:t>
+            </a:r>
+            <a:r>
+              <a:rPr lang="en-US" sz="4800" kern="100" dirty="0">
+                <a:effectLst/>
+                <a:ea typeface="Calibri" panose="020F0502020204030204" pitchFamily="34" charset="0"/>
+                <a:cs typeface="Times New Roman" panose="02020603050405020304" pitchFamily="18" charset="0"/>
+              </a:rPr>
+              <a:t>, Jan. 2019.</a:t>
+            </a:r>
+          </a:p>
+          <a:p>
+            <a:pPr marL="0" marR="0">
+              <a:lnSpc>
+                <a:spcPct val="107000"/>
+              </a:lnSpc>
+              <a:spcBef>
+                <a:spcPts val="0"/>
+              </a:spcBef>
+              <a:spcAft>
+                <a:spcPts val="800"/>
+              </a:spcAft>
+            </a:pPr>
+            <a:r>
+              <a:rPr lang="en-US" sz="4800" kern="100" dirty="0">
+                <a:effectLst/>
+                <a:ea typeface="Calibri" panose="020F0502020204030204" pitchFamily="34" charset="0"/>
+                <a:cs typeface="Times New Roman" panose="02020603050405020304" pitchFamily="18" charset="0"/>
+              </a:rPr>
+              <a:t>[11]	S. Wang, H. Yu, X. Hu, and J. Li, “Participant or spectator? Comprehending the willingness of faculty to use intelligent tutoring systems in the artificial intelligence era,” </a:t>
+            </a:r>
+            <a:r>
+              <a:rPr lang="en-US" sz="4800" i="1" kern="100" dirty="0">
+                <a:effectLst/>
+                <a:ea typeface="Calibri" panose="020F0502020204030204" pitchFamily="34" charset="0"/>
+                <a:cs typeface="Times New Roman" panose="02020603050405020304" pitchFamily="18" charset="0"/>
+              </a:rPr>
+              <a:t>Br. J. Educ. Technol.</a:t>
+            </a:r>
+            <a:r>
+              <a:rPr lang="en-US" sz="4800" kern="100" dirty="0">
+                <a:effectLst/>
+                <a:ea typeface="Calibri" panose="020F0502020204030204" pitchFamily="34" charset="0"/>
+                <a:cs typeface="Times New Roman" panose="02020603050405020304" pitchFamily="18" charset="0"/>
+              </a:rPr>
+              <a:t>, vol. 51, no. 5, pp. 1657–1673, Sep. 2020, </a:t>
+            </a:r>
+            <a:r>
+              <a:rPr lang="en-US" sz="4800" kern="100" dirty="0" err="1">
+                <a:effectLst/>
+                <a:ea typeface="Calibri" panose="020F0502020204030204" pitchFamily="34" charset="0"/>
+                <a:cs typeface="Times New Roman" panose="02020603050405020304" pitchFamily="18" charset="0"/>
+              </a:rPr>
+              <a:t>doi</a:t>
+            </a:r>
+            <a:r>
+              <a:rPr lang="en-US" sz="4800" kern="100" dirty="0">
+                <a:effectLst/>
+                <a:ea typeface="Calibri" panose="020F0502020204030204" pitchFamily="34" charset="0"/>
+                <a:cs typeface="Times New Roman" panose="02020603050405020304" pitchFamily="18" charset="0"/>
+              </a:rPr>
+              <a:t>: 10.1111/bjet.12998.</a:t>
+            </a:r>
+          </a:p>
+          <a:p>
+            <a:pPr marL="0" marR="0">
+              <a:lnSpc>
+                <a:spcPct val="107000"/>
+              </a:lnSpc>
+              <a:spcBef>
+                <a:spcPts val="0"/>
+              </a:spcBef>
+              <a:spcAft>
+                <a:spcPts val="800"/>
+              </a:spcAft>
+            </a:pPr>
+            <a:r>
+              <a:rPr lang="en-US" sz="4800" kern="100" dirty="0">
+                <a:effectLst/>
+                <a:ea typeface="Calibri" panose="020F0502020204030204" pitchFamily="34" charset="0"/>
+                <a:cs typeface="Times New Roman" panose="02020603050405020304" pitchFamily="18" charset="0"/>
+              </a:rPr>
+              <a:t>[12]	“SurveyMonkey Analyze - Comparing Chatgpt with w3schools.” https://www.surveymonkey.com/analyze/browse/B2I0VaebSx5SXnbq6MF_2BiBhIU0UfvHM_2Br9T5rnH7nLA_3D? (accessed May 07, 2023).</a:t>
+            </a:r>
+          </a:p>
+          <a:p>
+            <a:pPr marL="0" marR="0">
+              <a:lnSpc>
+                <a:spcPct val="107000"/>
+              </a:lnSpc>
+              <a:spcBef>
+                <a:spcPts val="0"/>
+              </a:spcBef>
+              <a:spcAft>
+                <a:spcPts val="800"/>
+              </a:spcAft>
+            </a:pPr>
+            <a:r>
+              <a:rPr lang="en-US" sz="4800" kern="100" dirty="0">
+                <a:effectLst/>
+                <a:ea typeface="Calibri" panose="020F0502020204030204" pitchFamily="34" charset="0"/>
+                <a:cs typeface="Times New Roman" panose="02020603050405020304" pitchFamily="18" charset="0"/>
+              </a:rPr>
+              <a:t>[13]	A. S. George and A. S. H. George, “A Review of ChatGPT AI’s Impact on Several Business Sectors,” </a:t>
+            </a:r>
+            <a:r>
+              <a:rPr lang="en-US" sz="4800" i="1" kern="100" dirty="0">
+                <a:effectLst/>
+                <a:ea typeface="Calibri" panose="020F0502020204030204" pitchFamily="34" charset="0"/>
+                <a:cs typeface="Times New Roman" panose="02020603050405020304" pitchFamily="18" charset="0"/>
+              </a:rPr>
+              <a:t>Partn. </a:t>
+            </a:r>
+            <a:r>
+              <a:rPr lang="en-US" sz="4800" i="1" kern="100" dirty="0" err="1">
+                <a:effectLst/>
+                <a:ea typeface="Calibri" panose="020F0502020204030204" pitchFamily="34" charset="0"/>
+                <a:cs typeface="Times New Roman" panose="02020603050405020304" pitchFamily="18" charset="0"/>
+              </a:rPr>
+              <a:t>Univers</a:t>
+            </a:r>
+            <a:r>
+              <a:rPr lang="en-US" sz="4800" i="1" kern="100" dirty="0">
+                <a:effectLst/>
+                <a:ea typeface="Calibri" panose="020F0502020204030204" pitchFamily="34" charset="0"/>
+                <a:cs typeface="Times New Roman" panose="02020603050405020304" pitchFamily="18" charset="0"/>
+              </a:rPr>
+              <a:t>. Int. </a:t>
+            </a:r>
+            <a:r>
+              <a:rPr lang="en-US" sz="4800" i="1" kern="100" dirty="0" err="1">
+                <a:effectLst/>
+                <a:ea typeface="Calibri" panose="020F0502020204030204" pitchFamily="34" charset="0"/>
+                <a:cs typeface="Times New Roman" panose="02020603050405020304" pitchFamily="18" charset="0"/>
+              </a:rPr>
+              <a:t>Innov</a:t>
+            </a:r>
+            <a:r>
+              <a:rPr lang="en-US" sz="4800" i="1" kern="100" dirty="0">
+                <a:effectLst/>
+                <a:ea typeface="Calibri" panose="020F0502020204030204" pitchFamily="34" charset="0"/>
+                <a:cs typeface="Times New Roman" panose="02020603050405020304" pitchFamily="18" charset="0"/>
+              </a:rPr>
+              <a:t>. J.</a:t>
+            </a:r>
+            <a:r>
+              <a:rPr lang="en-US" sz="4800" kern="100" dirty="0">
+                <a:effectLst/>
+                <a:ea typeface="Calibri" panose="020F0502020204030204" pitchFamily="34" charset="0"/>
+                <a:cs typeface="Times New Roman" panose="02020603050405020304" pitchFamily="18" charset="0"/>
+              </a:rPr>
+              <a:t>, vol. 1, no. 1, Art. no. 1, Feb. 2023, </a:t>
+            </a:r>
+            <a:r>
+              <a:rPr lang="en-US" sz="4800" kern="100" dirty="0" err="1">
+                <a:effectLst/>
+                <a:ea typeface="Calibri" panose="020F0502020204030204" pitchFamily="34" charset="0"/>
+                <a:cs typeface="Times New Roman" panose="02020603050405020304" pitchFamily="18" charset="0"/>
+              </a:rPr>
+              <a:t>doi</a:t>
+            </a:r>
+            <a:r>
+              <a:rPr lang="en-US" sz="4800" kern="100" dirty="0">
+                <a:effectLst/>
+                <a:ea typeface="Calibri" panose="020F0502020204030204" pitchFamily="34" charset="0"/>
+                <a:cs typeface="Times New Roman" panose="02020603050405020304" pitchFamily="18" charset="0"/>
+              </a:rPr>
+              <a:t>: 10.5281/zenodo.7644359.</a:t>
+            </a:r>
+          </a:p>
+          <a:p>
+            <a:pPr marL="0" marR="0">
+              <a:lnSpc>
+                <a:spcPct val="107000"/>
+              </a:lnSpc>
+              <a:spcBef>
+                <a:spcPts val="0"/>
+              </a:spcBef>
+              <a:spcAft>
+                <a:spcPts val="800"/>
+              </a:spcAft>
+            </a:pPr>
+            <a:r>
+              <a:rPr lang="en-US" sz="4800" kern="100" dirty="0">
+                <a:effectLst/>
+                <a:ea typeface="Calibri" panose="020F0502020204030204" pitchFamily="34" charset="0"/>
+                <a:cs typeface="Times New Roman" panose="02020603050405020304" pitchFamily="18" charset="0"/>
+              </a:rPr>
+              <a:t>[14]	M. </a:t>
+            </a:r>
+            <a:r>
+              <a:rPr lang="en-US" sz="4800" kern="100" dirty="0" err="1">
+                <a:effectLst/>
+                <a:ea typeface="Calibri" panose="020F0502020204030204" pitchFamily="34" charset="0"/>
+                <a:cs typeface="Times New Roman" panose="02020603050405020304" pitchFamily="18" charset="0"/>
+              </a:rPr>
+              <a:t>Firat</a:t>
+            </a:r>
+            <a:r>
+              <a:rPr lang="en-US" sz="4800" kern="100" dirty="0">
+                <a:effectLst/>
+                <a:ea typeface="Calibri" panose="020F0502020204030204" pitchFamily="34" charset="0"/>
+                <a:cs typeface="Times New Roman" panose="02020603050405020304" pitchFamily="18" charset="0"/>
+              </a:rPr>
+              <a:t>, </a:t>
+            </a:r>
+            <a:r>
+              <a:rPr lang="en-US" sz="4800" i="1" kern="100" dirty="0">
+                <a:effectLst/>
+                <a:ea typeface="Calibri" panose="020F0502020204030204" pitchFamily="34" charset="0"/>
+                <a:cs typeface="Times New Roman" panose="02020603050405020304" pitchFamily="18" charset="0"/>
+              </a:rPr>
+              <a:t>How Chat GPT Can Transform Autodidactic Experiences and Open Education?</a:t>
+            </a:r>
+            <a:r>
+              <a:rPr lang="en-US" sz="4800" kern="100" dirty="0">
+                <a:effectLst/>
+                <a:ea typeface="Calibri" panose="020F0502020204030204" pitchFamily="34" charset="0"/>
+                <a:cs typeface="Times New Roman" panose="02020603050405020304" pitchFamily="18" charset="0"/>
+              </a:rPr>
+              <a:t> 2023. </a:t>
+            </a:r>
+            <a:r>
+              <a:rPr lang="en-US" sz="4800" kern="100" dirty="0" err="1">
+                <a:effectLst/>
+                <a:ea typeface="Calibri" panose="020F0502020204030204" pitchFamily="34" charset="0"/>
+                <a:cs typeface="Times New Roman" panose="02020603050405020304" pitchFamily="18" charset="0"/>
+              </a:rPr>
+              <a:t>doi</a:t>
+            </a:r>
+            <a:r>
+              <a:rPr lang="en-US" sz="4800" kern="100" dirty="0">
+                <a:effectLst/>
+                <a:ea typeface="Calibri" panose="020F0502020204030204" pitchFamily="34" charset="0"/>
+                <a:cs typeface="Times New Roman" panose="02020603050405020304" pitchFamily="18" charset="0"/>
+              </a:rPr>
+              <a:t>: 10.31219/osf.io/9ge8m.</a:t>
+            </a:r>
+          </a:p>
+          <a:p>
+            <a:pPr marL="0" marR="0" algn="just">
+              <a:lnSpc>
+                <a:spcPct val="200000"/>
+              </a:lnSpc>
+              <a:spcBef>
+                <a:spcPts val="0"/>
+              </a:spcBef>
+              <a:spcAft>
+                <a:spcPts val="800"/>
+              </a:spcAft>
+            </a:pPr>
+            <a:r>
+              <a:rPr lang="en-US" sz="3500" kern="100" dirty="0">
+                <a:effectLst/>
+                <a:latin typeface="Times New Roman" panose="02020603050405020304" pitchFamily="18" charset="0"/>
+                <a:ea typeface="Calibri" panose="020F0502020204030204" pitchFamily="34" charset="0"/>
+                <a:cs typeface="Times New Roman" panose="02020603050405020304" pitchFamily="18" charset="0"/>
+              </a:rPr>
+              <a:t> </a:t>
+            </a:r>
+            <a:endParaRPr lang="en-US" sz="3500" kern="100" dirty="0">
+              <a:effectLst/>
+              <a:latin typeface="Calibri" panose="020F0502020204030204" pitchFamily="34" charset="0"/>
+              <a:ea typeface="Calibri" panose="020F0502020204030204" pitchFamily="34" charset="0"/>
+              <a:cs typeface="Times New Roman" panose="02020603050405020304" pitchFamily="18" charset="0"/>
+            </a:endParaRPr>
           </a:p>
           <a:p>
             <a:endParaRPr lang="en-US" b="1" dirty="0"/>
@@ -20360,7 +21257,7 @@
     </p:spTree>
     <p:extLst>
       <p:ext uri="{BB962C8B-B14F-4D97-AF65-F5344CB8AC3E}">
-        <p14:creationId xmlns:p14="http://schemas.microsoft.com/office/powerpoint/2010/main" val="303587859"/>
+        <p14:creationId xmlns:p14="http://schemas.microsoft.com/office/powerpoint/2010/main" val="3620904467"/>
       </p:ext>
     </p:extLst>
   </p:cSld>
@@ -20389,6 +21286,315 @@
       </p:grpSpPr>
       <p:sp>
         <p:nvSpPr>
+          <p:cNvPr id="11" name="Title 10">
+            <a:extLst>
+              <a:ext uri="{FF2B5EF4-FFF2-40B4-BE49-F238E27FC236}">
+                <a16:creationId xmlns:a16="http://schemas.microsoft.com/office/drawing/2014/main" id="{581E8936-2270-47FE-94A4-398CB123EF90}"/>
+              </a:ext>
+            </a:extLst>
+          </p:cNvPr>
+          <p:cNvSpPr>
+            <a:spLocks noGrp="1"/>
+          </p:cNvSpPr>
+          <p:nvPr>
+            <p:ph type="title"/>
+          </p:nvPr>
+        </p:nvSpPr>
+        <p:spPr>
+          <a:xfrm>
+            <a:off x="266192" y="4448115"/>
+            <a:ext cx="4500562" cy="1562959"/>
+          </a:xfrm>
+        </p:spPr>
+        <p:txBody>
+          <a:bodyPr/>
+          <a:lstStyle/>
+          <a:p>
+            <a:r>
+              <a:rPr lang="en-US" dirty="0"/>
+              <a:t>Git Hub Link</a:t>
+            </a:r>
+          </a:p>
+        </p:txBody>
+      </p:sp>
+      <p:pic>
+        <p:nvPicPr>
+          <p:cNvPr id="16" name="Picture Placeholder 15" descr="Data Points Digital background">
+            <a:extLst>
+              <a:ext uri="{FF2B5EF4-FFF2-40B4-BE49-F238E27FC236}">
+                <a16:creationId xmlns:a16="http://schemas.microsoft.com/office/drawing/2014/main" id="{361E9ADB-7377-4CF1-9AE4-AEFBDEBEEEEC}"/>
+              </a:ext>
+            </a:extLst>
+          </p:cNvPr>
+          <p:cNvPicPr>
+            <a:picLocks noGrp="1" noChangeAspect="1"/>
+          </p:cNvPicPr>
+          <p:nvPr>
+            <p:ph type="pic" sz="quarter" idx="13"/>
+          </p:nvPr>
+        </p:nvPicPr>
+        <p:blipFill rotWithShape="1">
+          <a:blip r:embed="rId3" cstate="screen">
+            <a:extLst>
+              <a:ext uri="{28A0092B-C50C-407E-A947-70E740481C1C}">
+                <a14:useLocalDpi xmlns:a14="http://schemas.microsoft.com/office/drawing/2010/main" val="0"/>
+              </a:ext>
+            </a:extLst>
+          </a:blip>
+          <a:srcRect l="11" r="11"/>
+          <a:stretch/>
+        </p:blipFill>
+        <p:spPr>
+          <a:xfrm>
+            <a:off x="0" y="-17253"/>
+            <a:ext cx="12192000" cy="1940943"/>
+          </a:xfrm>
+        </p:spPr>
+      </p:pic>
+      <p:sp>
+        <p:nvSpPr>
+          <p:cNvPr id="13" name="Content Placeholder 12">
+            <a:extLst>
+              <a:ext uri="{FF2B5EF4-FFF2-40B4-BE49-F238E27FC236}">
+                <a16:creationId xmlns:a16="http://schemas.microsoft.com/office/drawing/2014/main" id="{C0287FEC-3826-4868-8D93-52429C6156F5}"/>
+              </a:ext>
+            </a:extLst>
+          </p:cNvPr>
+          <p:cNvSpPr>
+            <a:spLocks noGrp="1"/>
+          </p:cNvSpPr>
+          <p:nvPr>
+            <p:ph sz="quarter" idx="15"/>
+          </p:nvPr>
+        </p:nvSpPr>
+        <p:spPr>
+          <a:xfrm>
+            <a:off x="4270075" y="2656936"/>
+            <a:ext cx="7213748" cy="3792506"/>
+          </a:xfrm>
+        </p:spPr>
+        <p:txBody>
+          <a:bodyPr>
+            <a:normAutofit/>
+          </a:bodyPr>
+          <a:lstStyle/>
+          <a:p>
+            <a:r>
+              <a:rPr lang="en-US" b="1" dirty="0">
+                <a:hlinkClick r:id="rId4"/>
+              </a:rPr>
+              <a:t>https://mikelarbi4u1.github.io/Michaels-ITSs-Project.com/</a:t>
+            </a:r>
+            <a:endParaRPr lang="en-US" b="1" dirty="0"/>
+          </a:p>
+          <a:p>
+            <a:endParaRPr lang="en-US" b="1" dirty="0"/>
+          </a:p>
+        </p:txBody>
+      </p:sp>
+      <p:sp>
+        <p:nvSpPr>
+          <p:cNvPr id="6" name="Slide Number Placeholder 5">
+            <a:extLst>
+              <a:ext uri="{FF2B5EF4-FFF2-40B4-BE49-F238E27FC236}">
+                <a16:creationId xmlns:a16="http://schemas.microsoft.com/office/drawing/2014/main" id="{9ED907F8-C614-4D59-A03F-BF9CD5E35703}"/>
+              </a:ext>
+            </a:extLst>
+          </p:cNvPr>
+          <p:cNvSpPr>
+            <a:spLocks noGrp="1"/>
+          </p:cNvSpPr>
+          <p:nvPr>
+            <p:ph type="sldNum" sz="quarter" idx="12"/>
+          </p:nvPr>
+        </p:nvSpPr>
+        <p:spPr/>
+        <p:txBody>
+          <a:bodyPr/>
+          <a:lstStyle/>
+          <a:p>
+            <a:fld id="{DBA1B0FB-D917-4C8C-928F-313BD683BF39}" type="slidenum">
+              <a:rPr lang="en-US" smtClean="0"/>
+              <a:pPr/>
+              <a:t>22</a:t>
+            </a:fld>
+            <a:endParaRPr lang="en-US"/>
+          </a:p>
+        </p:txBody>
+      </p:sp>
+      <p:sp>
+        <p:nvSpPr>
+          <p:cNvPr id="2" name="Date Placeholder 3">
+            <a:extLst>
+              <a:ext uri="{FF2B5EF4-FFF2-40B4-BE49-F238E27FC236}">
+                <a16:creationId xmlns:a16="http://schemas.microsoft.com/office/drawing/2014/main" id="{6752CCCC-3B60-0E85-DDD4-76150BFDD658}"/>
+              </a:ext>
+            </a:extLst>
+          </p:cNvPr>
+          <p:cNvSpPr txBox="1">
+            <a:spLocks/>
+          </p:cNvSpPr>
+          <p:nvPr/>
+        </p:nvSpPr>
+        <p:spPr>
+          <a:xfrm>
+            <a:off x="666352" y="6420199"/>
+            <a:ext cx="2628900" cy="260300"/>
+          </a:xfrm>
+          <a:prstGeom prst="rect">
+            <a:avLst/>
+          </a:prstGeom>
+        </p:spPr>
+        <p:txBody>
+          <a:bodyPr vert="horz" wrap="square" lIns="0" tIns="0" rIns="0" bIns="0" rtlCol="0" anchor="ctr">
+            <a:spAutoFit/>
+          </a:bodyPr>
+          <a:lstStyle>
+            <a:defPPr>
+              <a:defRPr lang="en-US"/>
+            </a:defPPr>
+            <a:lvl1pPr marL="0" algn="l" defTabSz="914400" rtl="0" eaLnBrk="1" latinLnBrk="0" hangingPunct="1">
+              <a:defRPr sz="1000" kern="1200">
+                <a:solidFill>
+                  <a:schemeClr val="tx1">
+                    <a:lumMod val="65000"/>
+                    <a:alpha val="80000"/>
+                  </a:schemeClr>
+                </a:solidFill>
+                <a:latin typeface="+mn-lt"/>
+                <a:ea typeface="+mn-ea"/>
+                <a:cs typeface="+mn-cs"/>
+              </a:defRPr>
+            </a:lvl1pPr>
+            <a:lvl2pPr marL="457200" algn="l" defTabSz="914400" rtl="0" eaLnBrk="1" latinLnBrk="0" hangingPunct="1">
+              <a:defRPr sz="1800" kern="1200">
+                <a:solidFill>
+                  <a:schemeClr val="tx1"/>
+                </a:solidFill>
+                <a:latin typeface="+mn-lt"/>
+                <a:ea typeface="+mn-ea"/>
+                <a:cs typeface="+mn-cs"/>
+              </a:defRPr>
+            </a:lvl2pPr>
+            <a:lvl3pPr marL="914400" algn="l" defTabSz="914400" rtl="0" eaLnBrk="1" latinLnBrk="0" hangingPunct="1">
+              <a:defRPr sz="1800" kern="1200">
+                <a:solidFill>
+                  <a:schemeClr val="tx1"/>
+                </a:solidFill>
+                <a:latin typeface="+mn-lt"/>
+                <a:ea typeface="+mn-ea"/>
+                <a:cs typeface="+mn-cs"/>
+              </a:defRPr>
+            </a:lvl3pPr>
+            <a:lvl4pPr marL="1371600" algn="l" defTabSz="914400" rtl="0" eaLnBrk="1" latinLnBrk="0" hangingPunct="1">
+              <a:defRPr sz="1800" kern="1200">
+                <a:solidFill>
+                  <a:schemeClr val="tx1"/>
+                </a:solidFill>
+                <a:latin typeface="+mn-lt"/>
+                <a:ea typeface="+mn-ea"/>
+                <a:cs typeface="+mn-cs"/>
+              </a:defRPr>
+            </a:lvl4pPr>
+            <a:lvl5pPr marL="1828800" algn="l" defTabSz="914400" rtl="0" eaLnBrk="1" latinLnBrk="0" hangingPunct="1">
+              <a:defRPr sz="1800" kern="1200">
+                <a:solidFill>
+                  <a:schemeClr val="tx1"/>
+                </a:solidFill>
+                <a:latin typeface="+mn-lt"/>
+                <a:ea typeface="+mn-ea"/>
+                <a:cs typeface="+mn-cs"/>
+              </a:defRPr>
+            </a:lvl5pPr>
+            <a:lvl6pPr marL="2286000" algn="l" defTabSz="914400" rtl="0" eaLnBrk="1" latinLnBrk="0" hangingPunct="1">
+              <a:defRPr sz="1800" kern="1200">
+                <a:solidFill>
+                  <a:schemeClr val="tx1"/>
+                </a:solidFill>
+                <a:latin typeface="+mn-lt"/>
+                <a:ea typeface="+mn-ea"/>
+                <a:cs typeface="+mn-cs"/>
+              </a:defRPr>
+            </a:lvl6pPr>
+            <a:lvl7pPr marL="2743200" algn="l" defTabSz="914400" rtl="0" eaLnBrk="1" latinLnBrk="0" hangingPunct="1">
+              <a:defRPr sz="1800" kern="1200">
+                <a:solidFill>
+                  <a:schemeClr val="tx1"/>
+                </a:solidFill>
+                <a:latin typeface="+mn-lt"/>
+                <a:ea typeface="+mn-ea"/>
+                <a:cs typeface="+mn-cs"/>
+              </a:defRPr>
+            </a:lvl7pPr>
+            <a:lvl8pPr marL="3200400" algn="l" defTabSz="914400" rtl="0" eaLnBrk="1" latinLnBrk="0" hangingPunct="1">
+              <a:defRPr sz="1800" kern="1200">
+                <a:solidFill>
+                  <a:schemeClr val="tx1"/>
+                </a:solidFill>
+                <a:latin typeface="+mn-lt"/>
+                <a:ea typeface="+mn-ea"/>
+                <a:cs typeface="+mn-cs"/>
+              </a:defRPr>
+            </a:lvl8pPr>
+            <a:lvl9pPr marL="3657600" algn="l" defTabSz="914400" rtl="0" eaLnBrk="1" latinLnBrk="0" hangingPunct="1">
+              <a:defRPr sz="1800" kern="1200">
+                <a:solidFill>
+                  <a:schemeClr val="tx1"/>
+                </a:solidFill>
+                <a:latin typeface="+mn-lt"/>
+                <a:ea typeface="+mn-ea"/>
+                <a:cs typeface="+mn-cs"/>
+              </a:defRPr>
+            </a:lvl9pPr>
+          </a:lstStyle>
+          <a:p>
+            <a:r>
+              <a:rPr lang="en-US" dirty="0"/>
+              <a:t>Wednesday, May 3</a:t>
+            </a:r>
+            <a:r>
+              <a:rPr lang="en-US" baseline="30000" dirty="0"/>
+              <a:t>rd</a:t>
+            </a:r>
+            <a:r>
+              <a:rPr lang="en-US" dirty="0"/>
+              <a:t> , 2023</a:t>
+            </a:r>
+          </a:p>
+        </p:txBody>
+      </p:sp>
+    </p:spTree>
+    <p:extLst>
+      <p:ext uri="{BB962C8B-B14F-4D97-AF65-F5344CB8AC3E}">
+        <p14:creationId xmlns:p14="http://schemas.microsoft.com/office/powerpoint/2010/main" val="303587859"/>
+      </p:ext>
+    </p:extLst>
+  </p:cSld>
+  <p:clrMapOvr>
+    <a:masterClrMapping/>
+  </p:clrMapOvr>
+</p:sld>
+</file>
+
+<file path=ppt/slides/slide23.xml><?xml version="1.0" encoding="utf-8"?>
+<p:sld xmlns:a="http://schemas.openxmlformats.org/drawingml/2006/main" xmlns:r="http://schemas.openxmlformats.org/officeDocument/2006/relationships" xmlns:p="http://schemas.openxmlformats.org/presentationml/2006/main">
+  <p:cSld>
+    <p:spTree>
+      <p:nvGrpSpPr>
+        <p:cNvPr id="1" name=""/>
+        <p:cNvGrpSpPr/>
+        <p:nvPr/>
+      </p:nvGrpSpPr>
+      <p:grpSpPr>
+        <a:xfrm>
+          <a:off x="0" y="0"/>
+          <a:ext cx="0" cy="0"/>
+          <a:chOff x="0" y="0"/>
+          <a:chExt cx="0" cy="0"/>
+        </a:xfrm>
+      </p:grpSpPr>
+      <p:sp>
+        <p:nvSpPr>
           <p:cNvPr id="22" name="Title 21">
             <a:extLst>
               <a:ext uri="{FF2B5EF4-FFF2-40B4-BE49-F238E27FC236}">
@@ -20546,7 +21752,7 @@
             <a:fld id="{DBA1B0FB-D917-4C8C-928F-313BD683BF39}" type="slidenum">
               <a:rPr lang="en-US" smtClean="0"/>
               <a:pPr/>
-              <a:t>22</a:t>
+              <a:t>23</a:t>
             </a:fld>
             <a:endParaRPr lang="en-US"/>
           </a:p>
@@ -33368,15 +34574,6 @@
 </file>
 
 <file path=customXml/item2.xml><?xml version="1.0" encoding="utf-8"?>
-<?mso-contentType ?>
-<FormTemplates xmlns="http://schemas.microsoft.com/sharepoint/v3/contenttype/forms">
-  <Display>DocumentLibraryForm</Display>
-  <Edit>DocumentLibraryForm</Edit>
-  <New>DocumentLibraryForm</New>
-</FormTemplates>
-</file>
-
-<file path=customXml/item3.xml><?xml version="1.0" encoding="utf-8"?>
 <ct:contentTypeSchema xmlns:ct="http://schemas.microsoft.com/office/2006/metadata/contentType" xmlns:ma="http://schemas.microsoft.com/office/2006/metadata/properties/metaAttributes" ct:_="" ma:_="" ma:contentTypeName="Document" ma:contentTypeID="0x01010079F111ED35F8CC479449609E8A0923A6" ma:contentTypeVersion="18" ma:contentTypeDescription="Create a new document." ma:contentTypeScope="" ma:versionID="22a266b9fa9a230c5a512669d8b298c3">
   <xsd:schema xmlns:xsd="http://www.w3.org/2001/XMLSchema" xmlns:xs="http://www.w3.org/2001/XMLSchema" xmlns:p="http://schemas.microsoft.com/office/2006/metadata/properties" xmlns:ns1="http://schemas.microsoft.com/sharepoint/v3" xmlns:ns2="71af3243-3dd4-4a8d-8c0d-dd76da1f02a5" xmlns:ns3="16c05727-aa75-4e4a-9b5f-8a80a1165891" xmlns:ns4="230e9df3-be65-4c73-a93b-d1236ebd677e" targetNamespace="http://schemas.microsoft.com/office/2006/metadata/properties" ma:root="true" ma:fieldsID="eddc33fff6b14141ee5c74a0d29ea6a1" ns1:_="" ns2:_="" ns3:_="" ns4:_="">
     <xsd:import namespace="http://schemas.microsoft.com/sharepoint/v3"/>
@@ -33652,6 +34849,15 @@
 </ct:contentTypeSchema>
 </file>
 
+<file path=customXml/item3.xml><?xml version="1.0" encoding="utf-8"?>
+<?mso-contentType ?>
+<FormTemplates xmlns="http://schemas.microsoft.com/sharepoint/v3/contenttype/forms">
+  <Display>DocumentLibraryForm</Display>
+  <Edit>DocumentLibraryForm</Edit>
+  <New>DocumentLibraryForm</New>
+</FormTemplates>
+</file>
+
 <file path=customXml/itemProps1.xml><?xml version="1.0" encoding="utf-8"?>
 <ds:datastoreItem xmlns:ds="http://schemas.openxmlformats.org/officeDocument/2006/customXml" ds:itemID="{50811A92-D464-4AC4-A396-BA73B10CEEAC}">
   <ds:schemaRefs>
@@ -33665,14 +34871,6 @@
 </file>
 
 <file path=customXml/itemProps2.xml><?xml version="1.0" encoding="utf-8"?>
-<ds:datastoreItem xmlns:ds="http://schemas.openxmlformats.org/officeDocument/2006/customXml" ds:itemID="{904751AB-E840-446F-8D49-E697067EC887}">
-  <ds:schemaRefs>
-    <ds:schemaRef ds:uri="http://schemas.microsoft.com/sharepoint/v3/contenttype/forms"/>
-  </ds:schemaRefs>
-</ds:datastoreItem>
-</file>
-
-<file path=customXml/itemProps3.xml><?xml version="1.0" encoding="utf-8"?>
 <ds:datastoreItem xmlns:ds="http://schemas.openxmlformats.org/officeDocument/2006/customXml" ds:itemID="{DE4876F9-7AE1-498D-B8FE-1E3AD703D2AF}">
   <ds:schemaRefs>
     <ds:schemaRef ds:uri="http://schemas.microsoft.com/office/2006/metadata/contentType"/>
@@ -33693,6 +34891,14 @@
 </ds:datastoreItem>
 </file>
 
+<file path=customXml/itemProps3.xml><?xml version="1.0" encoding="utf-8"?>
+<ds:datastoreItem xmlns:ds="http://schemas.openxmlformats.org/officeDocument/2006/customXml" ds:itemID="{904751AB-E840-446F-8D49-E697067EC887}">
+  <ds:schemaRefs>
+    <ds:schemaRef ds:uri="http://schemas.microsoft.com/sharepoint/v3/contenttype/forms"/>
+  </ds:schemaRefs>
+</ds:datastoreItem>
+</file>
+
 <file path=docMetadata/LabelInfo.xml><?xml version="1.0" encoding="utf-8"?>
 <clbl:labelList xmlns:clbl="http://schemas.microsoft.com/office/2020/mipLabelMetadata">
   <clbl:label id="{f42aa342-8706-4288-bd11-ebb85995028c}" enabled="1" method="Standard" siteId="{72f988bf-86f1-41af-91ab-2d7cd011db47}" contentBits="0" removed="0"/>
